--- a/TH02-Cross Platform.pptx
+++ b/TH02-Cross Platform.pptx
@@ -331,7 +331,7 @@
           <a:p>
             <a:fld id="{574090A4-23EE-3E40-9A6B-6D1C613F448F}" type="datetimeFigureOut">
               <a:rPr lang="en-US" smtClean="0"/>
-              <a:t>7/5/17</a:t>
+              <a:t>8/3/17</a:t>
             </a:fld>
             <a:endParaRPr lang="en-US"/>
           </a:p>
@@ -965,7 +965,7 @@
               <a:pPr>
                 <a:defRPr/>
               </a:pPr>
-              <a:t>7/5/17</a:t>
+              <a:t>8/3/17</a:t>
             </a:fld>
             <a:endParaRPr lang="en-US">
               <a:solidFill>
@@ -1228,7 +1228,7 @@
               <a:pPr>
                 <a:defRPr/>
               </a:pPr>
-              <a:t>7/5/17</a:t>
+              <a:t>8/3/17</a:t>
             </a:fld>
             <a:endParaRPr lang="en-US">
               <a:solidFill>
@@ -1405,7 +1405,7 @@
               <a:pPr>
                 <a:defRPr/>
               </a:pPr>
-              <a:t>7/5/17</a:t>
+              <a:t>8/3/17</a:t>
             </a:fld>
             <a:endParaRPr lang="en-US">
               <a:solidFill>
@@ -1592,7 +1592,7 @@
               <a:pPr>
                 <a:defRPr/>
               </a:pPr>
-              <a:t>7/5/17</a:t>
+              <a:t>8/3/17</a:t>
             </a:fld>
             <a:endParaRPr lang="en-US">
               <a:solidFill>
@@ -8511,7 +8511,7 @@
               <a:pPr>
                 <a:defRPr/>
               </a:pPr>
-              <a:t>7/5/17</a:t>
+              <a:t>8/3/17</a:t>
             </a:fld>
             <a:endParaRPr lang="en-US">
               <a:solidFill>
@@ -12186,7 +12186,7 @@
               <a:pPr>
                 <a:defRPr/>
               </a:pPr>
-              <a:t>7/5/17</a:t>
+              <a:t>8/3/17</a:t>
             </a:fld>
             <a:endParaRPr lang="en-US" dirty="0">
               <a:solidFill>
@@ -17102,7 +17102,7 @@
               <a:pPr>
                 <a:defRPr/>
               </a:pPr>
-              <a:t>7/5/17</a:t>
+              <a:t>8/3/17</a:t>
             </a:fld>
             <a:endParaRPr lang="en-US">
               <a:solidFill>
@@ -19937,7 +19937,7 @@
               <a:pPr>
                 <a:defRPr/>
               </a:pPr>
-              <a:t>7/5/17</a:t>
+              <a:t>8/3/17</a:t>
             </a:fld>
             <a:endParaRPr lang="en-US">
               <a:solidFill>
@@ -23300,7 +23300,7 @@
               <a:pPr>
                 <a:defRPr/>
               </a:pPr>
-              <a:t>7/5/17</a:t>
+              <a:t>8/3/17</a:t>
             </a:fld>
             <a:endParaRPr lang="en-US">
               <a:solidFill>
@@ -23425,7 +23425,7 @@
               <a:pPr>
                 <a:defRPr/>
               </a:pPr>
-              <a:t>7/5/17</a:t>
+              <a:t>8/3/17</a:t>
             </a:fld>
             <a:endParaRPr lang="en-US">
               <a:solidFill>
@@ -23527,7 +23527,7 @@
               <a:pPr>
                 <a:defRPr/>
               </a:pPr>
-              <a:t>7/5/17</a:t>
+              <a:t>8/3/17</a:t>
             </a:fld>
             <a:endParaRPr lang="en-US">
               <a:solidFill>
@@ -24071,7 +24071,7 @@
               <a:pPr defTabSz="914400">
                 <a:defRPr/>
               </a:pPr>
-              <a:t>7/5/17</a:t>
+              <a:t>8/3/17</a:t>
             </a:fld>
             <a:endParaRPr lang="en-US">
               <a:solidFill>
@@ -25897,7 +25897,7 @@
                 <a:latin typeface="+mj-lt"/>
                 <a:cs typeface="Courier New" panose="02070309020205020404" pitchFamily="49" charset="0"/>
               </a:rPr>
-              <a:t>W02 </a:t>
+              <a:t>TH02 </a:t>
             </a:r>
             <a:r>
               <a:rPr lang="en-US" sz="4300" b="1" dirty="0">
@@ -25911,7 +25911,14 @@
                 <a:latin typeface="+mj-lt"/>
                 <a:cs typeface="Courier New" panose="02070309020205020404" pitchFamily="49" charset="0"/>
               </a:rPr>
-              <a:t>Secure Your Network with Just Enough Administration (JEA)</a:t>
+              <a:t>Advance your Career with Cross </a:t>
+            </a:r>
+            <a:r>
+              <a:rPr lang="en-US" sz="4300" b="1" smtClean="0">
+                <a:latin typeface="+mj-lt"/>
+                <a:cs typeface="Courier New" panose="02070309020205020404" pitchFamily="49" charset="0"/>
+              </a:rPr>
+              <a:t>Platform Management</a:t>
             </a:r>
             <a:endParaRPr lang="en-US" sz="4300" b="1" dirty="0">
               <a:latin typeface="+mj-lt"/>
@@ -26108,28 +26115,24 @@
               <a:rPr lang="en-US" dirty="0" smtClean="0"/>
               <a:t>This is Linux</a:t>
             </a:r>
-            <a:endParaRPr lang="en-US" dirty="0" smtClean="0"/>
           </a:p>
           <a:p>
             <a:r>
               <a:rPr lang="en-US" dirty="0" smtClean="0"/>
               <a:t>With PowerShell</a:t>
             </a:r>
-            <a:endParaRPr lang="en-US" dirty="0" smtClean="0"/>
           </a:p>
           <a:p>
             <a:r>
               <a:rPr lang="en-US" dirty="0" smtClean="0"/>
               <a:t>So, chill and let’s have fun</a:t>
             </a:r>
-            <a:endParaRPr lang="en-US" dirty="0" smtClean="0"/>
           </a:p>
           <a:p>
             <a:r>
               <a:rPr lang="en-US" dirty="0" smtClean="0"/>
               <a:t>I’ll show you what you need to get started</a:t>
             </a:r>
-            <a:endParaRPr lang="en-US" dirty="0" smtClean="0"/>
           </a:p>
         </p:txBody>
       </p:sp>
